--- a/CSE-6093-RMTW/Mid_exam.pptx
+++ b/CSE-6093-RMTW/Mid_exam.pptx
@@ -24,7 +24,7 @@
   <p:notesSz cx="6858000" cy="9144000"/>
   <p:embeddedFontLst>
     <p:embeddedFont>
-      <p:font typeface="Montserrat Medium" panose="020B0604020202020204" charset="0"/>
+      <p:font typeface="Montserrat" panose="020B0604020202020204" charset="0"/>
       <p:regular r:id="rId12"/>
       <p:bold r:id="rId13"/>
       <p:italic r:id="rId14"/>
@@ -38,7 +38,7 @@
       <p:boldItalic r:id="rId19"/>
     </p:embeddedFont>
     <p:embeddedFont>
-      <p:font typeface="Montserrat" panose="020B0604020202020204" charset="0"/>
+      <p:font typeface="Montserrat Medium" panose="020B0604020202020204" charset="0"/>
       <p:regular r:id="rId20"/>
       <p:bold r:id="rId21"/>
       <p:italic r:id="rId22"/>
@@ -9582,13 +9582,7 @@
               <a:rPr lang="en-US" sz="1000" b="1" dirty="0" smtClean="0">
                 <a:latin typeface="Montserrat Medium" panose="020B0604020202020204" charset="0"/>
               </a:rPr>
-              <a:t>Page No: </a:t>
-            </a:r>
-            <a:r>
-              <a:rPr lang="en-US" sz="1000" b="1" dirty="0" smtClean="0">
-                <a:latin typeface="Montserrat Medium" panose="020B0604020202020204" charset="0"/>
-              </a:rPr>
-              <a:t>04</a:t>
+              <a:t>Page No: 04</a:t>
             </a:r>
             <a:endParaRPr lang="en-US" sz="1000" b="1" dirty="0">
               <a:latin typeface="Montserrat Medium" panose="020B0604020202020204" charset="0"/>
@@ -9936,13 +9930,7 @@
                 <a:rPr lang="en-US" sz="1200" dirty="0" smtClean="0">
                   <a:latin typeface="Montserrat Medium" panose="020B0604020202020204" charset="0"/>
                 </a:rPr>
-                <a:t>, </a:t>
-              </a:r>
-              <a:r>
-                <a:rPr lang="en-US" sz="1200" dirty="0" smtClean="0">
-                  <a:latin typeface="Montserrat Medium" panose="020B0604020202020204" charset="0"/>
-                </a:rPr>
-                <a:t>low-cost, </a:t>
+                <a:t>, low-cost, </a:t>
               </a:r>
               <a:r>
                 <a:rPr lang="en-US" sz="1200" dirty="0">
@@ -10056,13 +10044,7 @@
                 <a:rPr lang="en-US" sz="1200" dirty="0" smtClean="0">
                   <a:latin typeface="Montserrat Medium" panose="020B0604020202020204" charset="0"/>
                 </a:rPr>
-                <a:t>[2</a:t>
-              </a:r>
-              <a:r>
-                <a:rPr lang="en-US" sz="1200" dirty="0" smtClean="0">
-                  <a:latin typeface="Montserrat Medium" panose="020B0604020202020204" charset="0"/>
-                </a:rPr>
-                <a:t>] </a:t>
+                <a:t>[2] </a:t>
               </a:r>
               <a:endParaRPr lang="en-US" sz="1200" dirty="0">
                 <a:latin typeface="Montserrat Medium" panose="020B0604020202020204" charset="0"/>
@@ -10163,7 +10145,6 @@
               <a:rPr lang="en-US" sz="1200" b="1" dirty="0"/>
               <a:t>SH environment.</a:t>
             </a:r>
-            <a:endParaRPr lang="en-US" sz="1200" b="1" dirty="0"/>
           </a:p>
         </p:txBody>
       </p:sp>
@@ -10500,13 +10481,7 @@
               <a:rPr lang="en-US" sz="1000" b="1" dirty="0" smtClean="0">
                 <a:latin typeface="Montserrat Medium" panose="020B0604020202020204" charset="0"/>
               </a:rPr>
-              <a:t>Page No: </a:t>
-            </a:r>
-            <a:r>
-              <a:rPr lang="en-US" sz="1000" b="1" dirty="0" smtClean="0">
-                <a:latin typeface="Montserrat Medium" panose="020B0604020202020204" charset="0"/>
-              </a:rPr>
-              <a:t>05</a:t>
+              <a:t>Page No: 05</a:t>
             </a:r>
             <a:endParaRPr lang="en-US" sz="1000" b="1" dirty="0">
               <a:latin typeface="Montserrat Medium" panose="020B0604020202020204" charset="0"/>
@@ -11459,13 +11434,7 @@
               <a:rPr lang="en-US" sz="1000" b="1" dirty="0" smtClean="0">
                 <a:latin typeface="Montserrat Medium" panose="020B0604020202020204" charset="0"/>
               </a:rPr>
-              <a:t>Page No: </a:t>
-            </a:r>
-            <a:r>
-              <a:rPr lang="en-US" sz="1000" b="1" dirty="0" smtClean="0">
-                <a:latin typeface="Montserrat Medium" panose="020B0604020202020204" charset="0"/>
-              </a:rPr>
-              <a:t>06</a:t>
+              <a:t>Page No: 06</a:t>
             </a:r>
             <a:endParaRPr lang="en-US" sz="1000" b="1" dirty="0">
               <a:latin typeface="Montserrat Medium" panose="020B0604020202020204" charset="0"/>
@@ -11788,7 +11757,6 @@
               <a:rPr lang="en-US" b="1" dirty="0"/>
               <a:t>-Driven Home Automation Future Predictive Proposed Framework</a:t>
             </a:r>
-            <a:endParaRPr lang="en-US" b="1" dirty="0"/>
           </a:p>
         </p:txBody>
       </p:sp>
@@ -12155,13 +12123,7 @@
               <a:rPr lang="en-US" sz="1000" b="1" dirty="0" smtClean="0">
                 <a:latin typeface="Montserrat Medium" panose="020B0604020202020204" charset="0"/>
               </a:rPr>
-              <a:t>Page No: </a:t>
-            </a:r>
-            <a:r>
-              <a:rPr lang="en-US" sz="1000" b="1" dirty="0" smtClean="0">
-                <a:latin typeface="Montserrat Medium" panose="020B0604020202020204" charset="0"/>
-              </a:rPr>
-              <a:t>07</a:t>
+              <a:t>Page No: 07</a:t>
             </a:r>
             <a:endParaRPr lang="en-US" sz="1000" b="1" dirty="0">
               <a:latin typeface="Montserrat Medium" panose="020B0604020202020204" charset="0"/>
@@ -13115,13 +13077,7 @@
               <a:rPr lang="en-US" sz="1000" b="1" dirty="0" smtClean="0">
                 <a:latin typeface="Montserrat Medium" panose="020B0604020202020204" charset="0"/>
               </a:rPr>
-              <a:t>Page No: </a:t>
-            </a:r>
-            <a:r>
-              <a:rPr lang="en-US" sz="1000" b="1" dirty="0" smtClean="0">
-                <a:latin typeface="Montserrat Medium" panose="020B0604020202020204" charset="0"/>
-              </a:rPr>
-              <a:t>08</a:t>
+              <a:t>Page No: 08</a:t>
             </a:r>
             <a:endParaRPr lang="en-US" sz="1000" b="1" dirty="0">
               <a:latin typeface="Montserrat Medium" panose="020B0604020202020204" charset="0"/>

--- a/CSE-6093-RMTW/Mid_exam.pptx
+++ b/CSE-6093-RMTW/Mid_exam.pptx
@@ -24,21 +24,21 @@
   <p:notesSz cx="6858000" cy="9144000"/>
   <p:embeddedFontLst>
     <p:embeddedFont>
-      <p:font typeface="Montserrat" panose="020B0604020202020204" charset="0"/>
+      <p:font typeface="Montserrat Medium" panose="020B0604020202020204" charset="0"/>
       <p:regular r:id="rId12"/>
       <p:bold r:id="rId13"/>
       <p:italic r:id="rId14"/>
       <p:boldItalic r:id="rId15"/>
     </p:embeddedFont>
     <p:embeddedFont>
-      <p:font typeface="Fira Sans Extra Condensed" panose="020B0604020202020204" charset="0"/>
+      <p:font typeface="Montserrat" panose="020B0604020202020204" charset="0"/>
       <p:regular r:id="rId16"/>
       <p:bold r:id="rId17"/>
       <p:italic r:id="rId18"/>
       <p:boldItalic r:id="rId19"/>
     </p:embeddedFont>
     <p:embeddedFont>
-      <p:font typeface="Montserrat Medium" panose="020B0604020202020204" charset="0"/>
+      <p:font typeface="Fira Sans Extra Condensed" panose="020B0604020202020204" charset="0"/>
       <p:regular r:id="rId20"/>
       <p:bold r:id="rId21"/>
       <p:italic r:id="rId22"/>
@@ -364,7 +364,7 @@
           <a:p>
             <a:fld id="{246373C3-5698-471F-9308-38CF10C2DB54}" type="datetime1">
               <a:rPr lang="en-US" smtClean="0"/>
-              <a:t>01-Mar-24</a:t>
+              <a:t>15-Mar-24</a:t>
             </a:fld>
             <a:endParaRPr lang="en-US"/>
           </a:p>
@@ -11732,8 +11732,8 @@
         </p:nvSpPr>
         <p:spPr>
           <a:xfrm>
-            <a:off x="1581440" y="4224690"/>
-            <a:ext cx="6431569" cy="307777"/>
+            <a:off x="2615372" y="4205020"/>
+            <a:ext cx="4087979" cy="307777"/>
           </a:xfrm>
           <a:prstGeom prst="rect">
             <a:avLst/>
@@ -11747,16 +11747,25 @@
           <a:p>
             <a:r>
               <a:rPr lang="en-US" b="1" dirty="0"/>
-              <a:t>Fig: </a:t>
+              <a:t>Fig</a:t>
             </a:r>
             <a:r>
-              <a:rPr lang="en-US" b="1" dirty="0" err="1"/>
-              <a:t>IoT</a:t>
+              <a:rPr lang="en-US" b="1" dirty="0" smtClean="0"/>
+              <a:t>:</a:t>
+            </a:r>
+            <a:r>
+              <a:rPr lang="en-US" b="1" dirty="0" smtClean="0"/>
+              <a:t> </a:t>
             </a:r>
             <a:r>
               <a:rPr lang="en-US" b="1" dirty="0"/>
-              <a:t>-Driven Home Automation Future Predictive Proposed Framework</a:t>
+              <a:t>Prototype design of the proposed </a:t>
             </a:r>
+            <a:r>
+              <a:rPr lang="en-US" b="1" dirty="0" smtClean="0"/>
+              <a:t>system</a:t>
+            </a:r>
+            <a:endParaRPr lang="en-US" b="1" dirty="0"/>
           </a:p>
         </p:txBody>
       </p:sp>
